--- a/documentation/debriefing_presentation.pptx
+++ b/documentation/debriefing_presentation.pptx
@@ -363,7 +363,7 @@
             <a:fld id="{3459651D-87C6-48ED-90E1-379BB3CE0FC4}" type="slidenum">
               <a:rPr lang="de-CH" smtClean="0"/>
               <a:pPr/>
-              <a:t>‹Nr.›</a:t>
+              <a:t>‹#›</a:t>
             </a:fld>
             <a:endParaRPr lang="de-CH"/>
           </a:p>
@@ -626,7 +626,7 @@
             <a:fld id="{94DC829C-B434-429A-BFAA-3A8BDECA7E9F}" type="slidenum">
               <a:rPr lang="de-CH" smtClean="0"/>
               <a:pPr/>
-              <a:t>‹Nr.›</a:t>
+              <a:t>‹#›</a:t>
             </a:fld>
             <a:endParaRPr lang="de-CH"/>
           </a:p>
@@ -858,7 +858,7 @@
             <a:fld id="{94DC829C-B434-429A-BFAA-3A8BDECA7E9F}" type="slidenum">
               <a:rPr lang="de-CH" smtClean="0"/>
               <a:pPr/>
-              <a:t>‹Nr.›</a:t>
+              <a:t>‹#›</a:t>
             </a:fld>
             <a:endParaRPr lang="de-CH"/>
           </a:p>
@@ -1039,7 +1039,7 @@
             <a:fld id="{94DC829C-B434-429A-BFAA-3A8BDECA7E9F}" type="slidenum">
               <a:rPr lang="de-CH" smtClean="0"/>
               <a:pPr/>
-              <a:t>‹Nr.›</a:t>
+              <a:t>‹#›</a:t>
             </a:fld>
             <a:endParaRPr lang="de-CH"/>
           </a:p>
@@ -1201,7 +1201,7 @@
             <a:fld id="{94DC829C-B434-429A-BFAA-3A8BDECA7E9F}" type="slidenum">
               <a:rPr lang="de-CH" smtClean="0"/>
               <a:pPr/>
-              <a:t>‹Nr.›</a:t>
+              <a:t>‹#›</a:t>
             </a:fld>
             <a:endParaRPr lang="de-CH"/>
           </a:p>
@@ -1487,7 +1487,7 @@
             <a:fld id="{94DC829C-B434-429A-BFAA-3A8BDECA7E9F}" type="slidenum">
               <a:rPr lang="de-CH" smtClean="0"/>
               <a:pPr/>
-              <a:t>‹Nr.›</a:t>
+              <a:t>‹#›</a:t>
             </a:fld>
             <a:endParaRPr lang="de-CH"/>
           </a:p>
@@ -1752,7 +1752,7 @@
             <a:fld id="{94DC829C-B434-429A-BFAA-3A8BDECA7E9F}" type="slidenum">
               <a:rPr lang="de-CH" smtClean="0"/>
               <a:pPr/>
-              <a:t>‹Nr.›</a:t>
+              <a:t>‹#›</a:t>
             </a:fld>
             <a:endParaRPr lang="de-CH"/>
           </a:p>
@@ -2132,7 +2132,7 @@
             <a:fld id="{94DC829C-B434-429A-BFAA-3A8BDECA7E9F}" type="slidenum">
               <a:rPr lang="de-CH" smtClean="0"/>
               <a:pPr/>
-              <a:t>‹Nr.›</a:t>
+              <a:t>‹#›</a:t>
             </a:fld>
             <a:endParaRPr lang="de-CH"/>
           </a:p>
@@ -2251,7 +2251,7 @@
             <a:fld id="{94DC829C-B434-429A-BFAA-3A8BDECA7E9F}" type="slidenum">
               <a:rPr lang="de-CH" smtClean="0"/>
               <a:pPr/>
-              <a:t>‹Nr.›</a:t>
+              <a:t>‹#›</a:t>
             </a:fld>
             <a:endParaRPr lang="de-CH"/>
           </a:p>
@@ -2347,7 +2347,7 @@
             <a:fld id="{94DC829C-B434-429A-BFAA-3A8BDECA7E9F}" type="slidenum">
               <a:rPr lang="de-CH" smtClean="0"/>
               <a:pPr/>
-              <a:t>‹Nr.›</a:t>
+              <a:t>‹#›</a:t>
             </a:fld>
             <a:endParaRPr lang="de-CH"/>
           </a:p>
@@ -2611,7 +2611,7 @@
             <a:fld id="{94DC829C-B434-429A-BFAA-3A8BDECA7E9F}" type="slidenum">
               <a:rPr lang="de-CH" smtClean="0"/>
               <a:pPr/>
-              <a:t>‹Nr.›</a:t>
+              <a:t>‹#›</a:t>
             </a:fld>
             <a:endParaRPr lang="de-CH"/>
           </a:p>
@@ -2881,7 +2881,7 @@
             <a:fld id="{94DC829C-B434-429A-BFAA-3A8BDECA7E9F}" type="slidenum">
               <a:rPr lang="de-CH" smtClean="0"/>
               <a:pPr/>
-              <a:t>‹Nr.›</a:t>
+              <a:t>‹#›</a:t>
             </a:fld>
             <a:endParaRPr lang="de-CH"/>
           </a:p>
@@ -3149,7 +3149,7 @@
             <a:fld id="{94DC829C-B434-429A-BFAA-3A8BDECA7E9F}" type="slidenum">
               <a:rPr lang="de-CH" smtClean="0"/>
               <a:pPr/>
-              <a:t>‹Nr.›</a:t>
+              <a:t>‹#›</a:t>
             </a:fld>
             <a:endParaRPr lang="de-CH"/>
           </a:p>
@@ -4182,86 +4182,26 @@
           <a:p>
             <a:r>
               <a:rPr lang="de-CH" dirty="0" smtClean="0"/>
-              <a:t>Talk </a:t>
-            </a:r>
-            <a:r>
-              <a:rPr lang="de-CH" dirty="0" err="1" smtClean="0"/>
-              <a:t>to</a:t>
-            </a:r>
-            <a:r>
-              <a:rPr lang="de-CH" dirty="0" smtClean="0"/>
-              <a:t> </a:t>
-            </a:r>
-            <a:r>
-              <a:rPr lang="de-CH" dirty="0" err="1" smtClean="0"/>
-              <a:t>the</a:t>
-            </a:r>
-            <a:r>
-              <a:rPr lang="de-CH" dirty="0" smtClean="0"/>
-              <a:t> </a:t>
-            </a:r>
-            <a:r>
-              <a:rPr lang="de-CH" dirty="0" err="1" smtClean="0"/>
-              <a:t>people</a:t>
-            </a:r>
-            <a:r>
-              <a:rPr lang="de-CH" dirty="0" smtClean="0"/>
-              <a:t>, </a:t>
-            </a:r>
-            <a:r>
-              <a:rPr lang="de-CH" dirty="0" err="1" smtClean="0"/>
-              <a:t>tell</a:t>
-            </a:r>
-            <a:r>
-              <a:rPr lang="de-CH" dirty="0" smtClean="0"/>
-              <a:t> </a:t>
-            </a:r>
-            <a:r>
-              <a:rPr lang="de-CH" dirty="0" err="1" smtClean="0"/>
-              <a:t>them</a:t>
-            </a:r>
-            <a:r>
-              <a:rPr lang="de-CH" dirty="0" smtClean="0"/>
-              <a:t> </a:t>
-            </a:r>
-            <a:r>
-              <a:rPr lang="de-CH" dirty="0" err="1" smtClean="0"/>
-              <a:t>your</a:t>
-            </a:r>
-            <a:r>
-              <a:rPr lang="de-CH" dirty="0" smtClean="0"/>
-              <a:t> </a:t>
-            </a:r>
-            <a:r>
-              <a:rPr lang="de-CH" dirty="0" err="1" smtClean="0"/>
-              <a:t>oppinion</a:t>
+              <a:t>Talk to the people, tell them your </a:t>
+            </a:r>
+            <a:r>
+              <a:rPr lang="de-CH" dirty="0" smtClean="0"/>
+              <a:t>opinion</a:t>
             </a:r>
             <a:endParaRPr lang="de-CH" dirty="0" smtClean="0"/>
           </a:p>
           <a:p>
             <a:r>
-              <a:rPr lang="de-CH" dirty="0" err="1" smtClean="0"/>
-              <a:t>Don‘t</a:t>
-            </a:r>
-            <a:r>
-              <a:rPr lang="de-CH" dirty="0" smtClean="0"/>
-              <a:t> </a:t>
-            </a:r>
-            <a:r>
-              <a:rPr lang="de-CH" dirty="0" err="1" smtClean="0"/>
-              <a:t>argue</a:t>
-            </a:r>
-            <a:r>
-              <a:rPr lang="de-CH" dirty="0" smtClean="0"/>
-              <a:t> in a </a:t>
-            </a:r>
-            <a:r>
-              <a:rPr lang="de-CH" dirty="0" err="1" smtClean="0"/>
-              <a:t>chat</a:t>
-            </a:r>
-            <a:r>
-              <a:rPr lang="de-CH" dirty="0" smtClean="0"/>
-              <a:t>! Schedule Meetings!</a:t>
+              <a:rPr lang="de-CH" dirty="0" smtClean="0"/>
+              <a:t>Don‘t argue in a chat! </a:t>
+            </a:r>
+            <a:r>
+              <a:rPr lang="de-CH" dirty="0" smtClean="0"/>
+              <a:t>Schedule meetings</a:t>
+            </a:r>
+            <a:r>
+              <a:rPr lang="de-CH" dirty="0" smtClean="0"/>
+              <a:t>!</a:t>
             </a:r>
           </a:p>
           <a:p>
@@ -4597,11 +4537,11 @@
             <a:pPr lvl="1"/>
             <a:r>
               <a:rPr lang="de-CH" dirty="0" smtClean="0"/>
-              <a:t>Nice </a:t>
-            </a:r>
-            <a:r>
-              <a:rPr lang="de-CH" dirty="0" err="1" smtClean="0"/>
-              <a:t>graphics</a:t>
+              <a:t>Various advanced </a:t>
+            </a:r>
+            <a:r>
+              <a:rPr lang="de-CH" dirty="0" smtClean="0"/>
+              <a:t>graphics techniques implemented</a:t>
             </a:r>
             <a:endParaRPr lang="de-CH" dirty="0" smtClean="0"/>
           </a:p>
@@ -4722,8 +4662,16 @@
           <a:lstStyle/>
           <a:p>
             <a:r>
-              <a:rPr lang="en-US" noProof="0" smtClean="0"/>
-              <a:t>Game Programing Laboratory</a:t>
+              <a:rPr lang="en-US" noProof="0" dirty="0" smtClean="0"/>
+              <a:t>Game </a:t>
+            </a:r>
+            <a:r>
+              <a:rPr lang="en-US" dirty="0" err="1" smtClean="0"/>
+              <a:t>Programing</a:t>
+            </a:r>
+            <a:r>
+              <a:rPr lang="en-US" noProof="0" dirty="0" smtClean="0"/>
+              <a:t> Laboratory</a:t>
             </a:r>
             <a:endParaRPr lang="en-US" noProof="0" dirty="0"/>
           </a:p>
@@ -4770,8 +4718,8 @@
           <a:lstStyle/>
           <a:p>
             <a:r>
-              <a:rPr lang="de-CH" dirty="0" err="1" smtClean="0"/>
-              <a:t>Yes</a:t>
+              <a:rPr lang="de-CH" dirty="0" smtClean="0"/>
+              <a:t>Yes!</a:t>
             </a:r>
             <a:endParaRPr lang="de-CH" dirty="0" smtClean="0"/>
           </a:p>
@@ -5056,7 +5004,9 @@
         </p:nvSpPr>
         <p:spPr/>
         <p:txBody>
-          <a:bodyPr/>
+          <a:bodyPr>
+            <a:normAutofit lnSpcReduction="10000"/>
+          </a:bodyPr>
           <a:lstStyle/>
           <a:p>
             <a:r>
@@ -5101,35 +5051,69 @@
             <a:pPr lvl="1"/>
             <a:r>
               <a:rPr lang="de-CH" dirty="0" smtClean="0"/>
-              <a:t>After </a:t>
-            </a:r>
-            <a:r>
-              <a:rPr lang="de-CH" dirty="0" err="1" smtClean="0"/>
-              <a:t>reaching</a:t>
-            </a:r>
-            <a:r>
-              <a:rPr lang="de-CH" dirty="0" smtClean="0"/>
-              <a:t> a </a:t>
-            </a:r>
-            <a:r>
-              <a:rPr lang="de-CH" dirty="0" err="1" smtClean="0"/>
+              <a:t>After reaching a </a:t>
+            </a:r>
+            <a:r>
+              <a:rPr lang="de-CH" dirty="0" smtClean="0"/>
               <a:t>milestone</a:t>
             </a:r>
             <a:r>
               <a:rPr lang="de-CH" dirty="0" smtClean="0"/>
-              <a:t> </a:t>
-            </a:r>
-            <a:r>
-              <a:rPr lang="de-CH" dirty="0" err="1" smtClean="0"/>
-              <a:t>the</a:t>
-            </a:r>
-            <a:r>
-              <a:rPr lang="de-CH" dirty="0" smtClean="0"/>
-              <a:t> </a:t>
-            </a:r>
-            <a:r>
-              <a:rPr lang="de-CH" dirty="0" err="1" smtClean="0"/>
-              <a:t>next</a:t>
+              <a:t>, the next one is being refined</a:t>
+            </a:r>
+            <a:endParaRPr lang="de-CH" dirty="0" smtClean="0"/>
+          </a:p>
+          <a:p>
+            <a:pPr lvl="2"/>
+            <a:r>
+              <a:rPr lang="de-CH" dirty="0" smtClean="0"/>
+              <a:t>Agile and iterative development</a:t>
+            </a:r>
+          </a:p>
+          <a:p>
+            <a:r>
+              <a:rPr lang="de-CH" dirty="0" smtClean="0"/>
+              <a:t>Initial planning always nearly matched</a:t>
+            </a:r>
+            <a:endParaRPr lang="de-CH" dirty="0" smtClean="0"/>
+          </a:p>
+          <a:p>
+            <a:pPr lvl="1"/>
+            <a:r>
+              <a:rPr lang="de-CH" dirty="0" err="1" smtClean="0"/>
+              <a:t>Milestones</a:t>
+            </a:r>
+            <a:r>
+              <a:rPr lang="de-CH" dirty="0" smtClean="0"/>
+              <a:t> </a:t>
+            </a:r>
+            <a:r>
+              <a:rPr lang="de-CH" dirty="0" err="1" smtClean="0"/>
+              <a:t>at</a:t>
+            </a:r>
+            <a:r>
+              <a:rPr lang="de-CH" dirty="0" smtClean="0"/>
+              <a:t> </a:t>
+            </a:r>
+            <a:r>
+              <a:rPr lang="de-CH" dirty="0" err="1" smtClean="0"/>
+              <a:t>most</a:t>
+            </a:r>
+            <a:r>
+              <a:rPr lang="de-CH" dirty="0" smtClean="0"/>
+              <a:t> </a:t>
+            </a:r>
+            <a:r>
+              <a:rPr lang="de-CH" dirty="0" err="1" smtClean="0"/>
+              <a:t>delayed</a:t>
+            </a:r>
+            <a:r>
+              <a:rPr lang="de-CH" dirty="0" smtClean="0"/>
+              <a:t> </a:t>
+            </a:r>
+            <a:r>
+              <a:rPr lang="de-CH" dirty="0" err="1" smtClean="0"/>
+              <a:t>by</a:t>
             </a:r>
             <a:r>
               <a:rPr lang="de-CH" dirty="0" smtClean="0"/>
@@ -5145,213 +5129,86 @@
             </a:r>
             <a:r>
               <a:rPr lang="de-CH" dirty="0" err="1" smtClean="0"/>
-              <a:t>is</a:t>
-            </a:r>
-            <a:r>
-              <a:rPr lang="de-CH" dirty="0" smtClean="0"/>
-              <a:t> </a:t>
-            </a:r>
-            <a:r>
-              <a:rPr lang="de-CH" dirty="0" err="1" smtClean="0"/>
-              <a:t>defined</a:t>
+              <a:t>day</a:t>
             </a:r>
             <a:endParaRPr lang="de-CH" dirty="0" smtClean="0"/>
           </a:p>
           <a:p>
-            <a:pPr lvl="2"/>
-            <a:r>
-              <a:rPr lang="de-CH" dirty="0" smtClean="0"/>
-              <a:t>Agile </a:t>
-            </a:r>
-            <a:r>
-              <a:rPr lang="de-CH" dirty="0" err="1" smtClean="0"/>
-              <a:t>and</a:t>
-            </a:r>
-            <a:r>
-              <a:rPr lang="de-CH" dirty="0" smtClean="0"/>
-              <a:t> iterative </a:t>
-            </a:r>
-            <a:r>
-              <a:rPr lang="de-CH" dirty="0" err="1" smtClean="0"/>
-              <a:t>development</a:t>
-            </a:r>
-            <a:endParaRPr lang="de-CH" dirty="0" smtClean="0"/>
-          </a:p>
-          <a:p>
-            <a:r>
-              <a:rPr lang="de-CH" dirty="0" err="1" smtClean="0"/>
-              <a:t>Result</a:t>
-            </a:r>
-            <a:r>
-              <a:rPr lang="de-CH" dirty="0" smtClean="0"/>
-              <a:t> </a:t>
-            </a:r>
-            <a:r>
-              <a:rPr lang="de-CH" dirty="0" err="1" smtClean="0"/>
-              <a:t>nearly</a:t>
-            </a:r>
-            <a:r>
-              <a:rPr lang="de-CH" dirty="0" smtClean="0"/>
-              <a:t> </a:t>
-            </a:r>
-            <a:r>
-              <a:rPr lang="de-CH" dirty="0" err="1" smtClean="0"/>
-              <a:t>as</a:t>
-            </a:r>
-            <a:r>
-              <a:rPr lang="de-CH" dirty="0" smtClean="0"/>
-              <a:t> </a:t>
-            </a:r>
-            <a:r>
-              <a:rPr lang="de-CH" dirty="0" err="1" smtClean="0"/>
-              <a:t>planned</a:t>
-            </a:r>
-            <a:r>
-              <a:rPr lang="de-CH" dirty="0" smtClean="0"/>
-              <a:t> </a:t>
-            </a:r>
-            <a:r>
-              <a:rPr lang="de-CH" dirty="0" err="1" smtClean="0"/>
-              <a:t>beforehand</a:t>
-            </a:r>
-            <a:endParaRPr lang="de-CH" dirty="0" smtClean="0"/>
-          </a:p>
-          <a:p>
             <a:pPr lvl="1"/>
             <a:r>
-              <a:rPr lang="de-CH" dirty="0" err="1" smtClean="0"/>
-              <a:t>Milestones</a:t>
-            </a:r>
-            <a:r>
-              <a:rPr lang="de-CH" dirty="0" smtClean="0"/>
-              <a:t> </a:t>
-            </a:r>
-            <a:r>
-              <a:rPr lang="de-CH" dirty="0" err="1" smtClean="0"/>
-              <a:t>at</a:t>
-            </a:r>
-            <a:r>
-              <a:rPr lang="de-CH" dirty="0" smtClean="0"/>
-              <a:t> </a:t>
-            </a:r>
-            <a:r>
-              <a:rPr lang="de-CH" dirty="0" err="1" smtClean="0"/>
-              <a:t>most</a:t>
-            </a:r>
-            <a:r>
-              <a:rPr lang="de-CH" dirty="0" smtClean="0"/>
-              <a:t> </a:t>
-            </a:r>
-            <a:r>
-              <a:rPr lang="de-CH" dirty="0" err="1" smtClean="0"/>
-              <a:t>delayed</a:t>
-            </a:r>
-            <a:r>
-              <a:rPr lang="de-CH" dirty="0" smtClean="0"/>
-              <a:t> </a:t>
-            </a:r>
-            <a:r>
-              <a:rPr lang="de-CH" dirty="0" err="1" smtClean="0"/>
-              <a:t>by</a:t>
-            </a:r>
-            <a:r>
-              <a:rPr lang="de-CH" dirty="0" smtClean="0"/>
-              <a:t> </a:t>
-            </a:r>
-            <a:r>
-              <a:rPr lang="de-CH" dirty="0" err="1" smtClean="0"/>
-              <a:t>one</a:t>
-            </a:r>
-            <a:r>
-              <a:rPr lang="de-CH" dirty="0" smtClean="0"/>
-              <a:t> </a:t>
-            </a:r>
-            <a:r>
-              <a:rPr lang="de-CH" dirty="0" err="1" smtClean="0"/>
-              <a:t>day</a:t>
-            </a:r>
-            <a:endParaRPr lang="de-CH" dirty="0" smtClean="0"/>
+              <a:rPr lang="de-CH" dirty="0" smtClean="0"/>
+              <a:t>Order </a:t>
+            </a:r>
+            <a:r>
+              <a:rPr lang="de-CH" dirty="0" err="1" smtClean="0"/>
+              <a:t>of</a:t>
+            </a:r>
+            <a:r>
+              <a:rPr lang="de-CH" dirty="0" smtClean="0"/>
+              <a:t> </a:t>
+            </a:r>
+            <a:r>
+              <a:rPr lang="de-CH" dirty="0" err="1" smtClean="0"/>
+              <a:t>implementations</a:t>
+            </a:r>
+            <a:r>
+              <a:rPr lang="de-CH" dirty="0" smtClean="0"/>
+              <a:t> </a:t>
+            </a:r>
+            <a:r>
+              <a:rPr lang="de-CH" dirty="0" err="1" smtClean="0"/>
+              <a:t>changed</a:t>
+            </a:r>
+            <a:r>
+              <a:rPr lang="de-CH" dirty="0" smtClean="0"/>
+              <a:t> </a:t>
+            </a:r>
+            <a:r>
+              <a:rPr lang="de-CH" dirty="0" err="1" smtClean="0"/>
+              <a:t>for</a:t>
+            </a:r>
+            <a:r>
+              <a:rPr lang="de-CH" dirty="0" smtClean="0"/>
+              <a:t> </a:t>
+            </a:r>
+            <a:r>
+              <a:rPr lang="de-CH" dirty="0" err="1" smtClean="0"/>
+              <a:t>some</a:t>
+            </a:r>
+            <a:r>
+              <a:rPr lang="de-CH" dirty="0" smtClean="0"/>
+              <a:t> </a:t>
+            </a:r>
+            <a:r>
+              <a:rPr lang="de-CH" dirty="0" err="1" smtClean="0"/>
+              <a:t>features</a:t>
+            </a:r>
+            <a:r>
+              <a:rPr lang="de-CH" dirty="0" smtClean="0"/>
+              <a:t> </a:t>
+            </a:r>
           </a:p>
           <a:p>
             <a:pPr lvl="1"/>
             <a:r>
               <a:rPr lang="de-CH" dirty="0" smtClean="0"/>
-              <a:t>Order </a:t>
-            </a:r>
-            <a:r>
-              <a:rPr lang="de-CH" dirty="0" err="1" smtClean="0"/>
-              <a:t>of</a:t>
-            </a:r>
-            <a:r>
-              <a:rPr lang="de-CH" dirty="0" smtClean="0"/>
-              <a:t> </a:t>
-            </a:r>
-            <a:r>
-              <a:rPr lang="de-CH" dirty="0" err="1" smtClean="0"/>
-              <a:t>implementations</a:t>
-            </a:r>
-            <a:r>
-              <a:rPr lang="de-CH" dirty="0" smtClean="0"/>
-              <a:t> </a:t>
-            </a:r>
-            <a:r>
-              <a:rPr lang="de-CH" dirty="0" err="1" smtClean="0"/>
-              <a:t>changed</a:t>
-            </a:r>
-            <a:r>
-              <a:rPr lang="de-CH" dirty="0" smtClean="0"/>
-              <a:t> </a:t>
-            </a:r>
-            <a:r>
-              <a:rPr lang="de-CH" dirty="0" err="1" smtClean="0"/>
-              <a:t>for</a:t>
-            </a:r>
-            <a:r>
-              <a:rPr lang="de-CH" dirty="0" smtClean="0"/>
-              <a:t> </a:t>
-            </a:r>
-            <a:r>
-              <a:rPr lang="de-CH" dirty="0" err="1" smtClean="0"/>
-              <a:t>some</a:t>
-            </a:r>
-            <a:r>
-              <a:rPr lang="de-CH" dirty="0" smtClean="0"/>
-              <a:t> </a:t>
-            </a:r>
-            <a:r>
-              <a:rPr lang="de-CH" dirty="0" err="1" smtClean="0"/>
-              <a:t>features</a:t>
-            </a:r>
-            <a:r>
-              <a:rPr lang="de-CH" dirty="0" smtClean="0"/>
-              <a:t> </a:t>
-            </a:r>
-          </a:p>
-          <a:p>
-            <a:pPr lvl="1"/>
-            <a:r>
-              <a:rPr lang="de-CH" dirty="0" smtClean="0"/>
-              <a:t>In </a:t>
-            </a:r>
-            <a:r>
-              <a:rPr lang="de-CH" dirty="0" err="1" smtClean="0"/>
-              <a:t>the</a:t>
-            </a:r>
-            <a:r>
-              <a:rPr lang="de-CH" dirty="0" smtClean="0"/>
-              <a:t> end all </a:t>
-            </a:r>
-            <a:r>
-              <a:rPr lang="de-CH" dirty="0" err="1" smtClean="0"/>
-              <a:t>features</a:t>
-            </a:r>
-            <a:r>
-              <a:rPr lang="de-CH" dirty="0" smtClean="0"/>
-              <a:t> </a:t>
-            </a:r>
-            <a:r>
-              <a:rPr lang="de-CH" dirty="0" err="1" smtClean="0"/>
-              <a:t>implemented</a:t>
+              <a:t>In the </a:t>
+            </a:r>
+            <a:r>
+              <a:rPr lang="de-CH" dirty="0" smtClean="0"/>
+              <a:t>end, </a:t>
+            </a:r>
+            <a:r>
+              <a:rPr lang="de-CH" dirty="0" smtClean="0"/>
+              <a:t>all </a:t>
+            </a:r>
+            <a:r>
+              <a:rPr lang="de-CH" dirty="0" smtClean="0"/>
+              <a:t>desired </a:t>
+            </a:r>
+            <a:r>
+              <a:rPr lang="de-CH" dirty="0" smtClean="0"/>
+              <a:t>features implemented, and many more!</a:t>
             </a:r>
             <a:endParaRPr lang="de-CH" dirty="0" smtClean="0"/>
           </a:p>
@@ -5493,23 +5350,11 @@
           <a:p>
             <a:r>
               <a:rPr lang="de-CH" dirty="0" smtClean="0"/>
-              <a:t>Game design </a:t>
-            </a:r>
-            <a:r>
-              <a:rPr lang="de-CH" dirty="0" err="1" smtClean="0"/>
-              <a:t>stuff</a:t>
-            </a:r>
-            <a:r>
-              <a:rPr lang="de-CH" dirty="0" smtClean="0"/>
-              <a:t> </a:t>
-            </a:r>
-            <a:r>
-              <a:rPr lang="de-CH" dirty="0" err="1" smtClean="0"/>
-              <a:t>first</a:t>
-            </a:r>
-            <a:r>
-              <a:rPr lang="de-CH" dirty="0" smtClean="0"/>
-              <a:t> (not XNA)</a:t>
+              <a:t>Game </a:t>
+            </a:r>
+            <a:r>
+              <a:rPr lang="de-CH" dirty="0" smtClean="0"/>
+              <a:t>design stuff first (not XNA)</a:t>
             </a:r>
           </a:p>
           <a:p>
@@ -5650,27 +5495,24 @@
             <a:pPr lvl="1"/>
             <a:r>
               <a:rPr lang="de-CH" dirty="0" smtClean="0"/>
-              <a:t>Experience </a:t>
-            </a:r>
-            <a:r>
-              <a:rPr lang="de-CH" dirty="0" err="1" smtClean="0"/>
-              <a:t>of</a:t>
-            </a:r>
-            <a:r>
-              <a:rPr lang="de-CH" dirty="0" smtClean="0"/>
-              <a:t> </a:t>
-            </a:r>
-            <a:r>
-              <a:rPr lang="de-CH" dirty="0" err="1" smtClean="0"/>
-              <a:t>previous</a:t>
-            </a:r>
-            <a:r>
-              <a:rPr lang="de-CH" dirty="0" smtClean="0"/>
-              <a:t> </a:t>
-            </a:r>
-            <a:r>
-              <a:rPr lang="de-CH" dirty="0" err="1" smtClean="0"/>
-              <a:t>participants</a:t>
+              <a:t>Experience of previous </a:t>
+            </a:r>
+            <a:r>
+              <a:rPr lang="de-CH" dirty="0" smtClean="0"/>
+              <a:t>participant</a:t>
+            </a:r>
+          </a:p>
+          <a:p>
+            <a:r>
+              <a:rPr lang="de-CH" dirty="0" smtClean="0"/>
+              <a:t>Work with „real“ artists is cool</a:t>
+            </a:r>
+          </a:p>
+          <a:p>
+            <a:pPr lvl="1"/>
+            <a:r>
+              <a:rPr lang="de-CH" smtClean="0"/>
+              <a:t>Try to cooperate with art schools/departements</a:t>
             </a:r>
             <a:endParaRPr lang="de-CH" dirty="0" smtClean="0"/>
           </a:p>
